--- a/sys_SexEstimate.pptx
+++ b/sys_SexEstimate.pptx
@@ -105,6 +105,21 @@
     </a:lvl9pPr>
   </p:defaultTextStyle>
 </p:presentation>
+</file>
+
+<file path=ppt/commentAuthors.xml><?xml version="1.0" encoding="utf-8"?>
+<p:cmAuthorLst xmlns:a="http://schemas.openxmlformats.org/drawingml/2006/main" xmlns:r="http://schemas.openxmlformats.org/officeDocument/2006/relationships" xmlns:p="http://schemas.openxmlformats.org/presentationml/2006/main">
+  <p:cmAuthor id="0" name="Malika" initials="MI" lastIdx="1" clrIdx="0"/>
+</p:cmAuthorLst>
+</file>
+
+<file path=ppt/comments/comment1.xml><?xml version="1.0" encoding="utf-8"?>
+<p:cmLst xmlns:a="http://schemas.openxmlformats.org/drawingml/2006/main" xmlns:r="http://schemas.openxmlformats.org/officeDocument/2006/relationships" xmlns:p="http://schemas.openxmlformats.org/presentationml/2006/main">
+  <p:cm authorId="0" dt="2016-05-02T18:52:17.082" idx="1">
+    <p:pos x="4920" y="2232"/>
+    <p:text>this was corrected 20160502</p:text>
+  </p:cm>
+</p:cmLst>
 </file>
 
 <file path=ppt/diagrams/colors1.xml><?xml version="1.0" encoding="utf-8"?>
@@ -1893,6 +1908,176 @@
                 <a:schemeClr val="tx2"/>
               </a:solidFill>
             </a:rPr>
+            <a:t>EventDate-EggCount</a:t>
+          </a:r>
+          <a:r>
+            <a:rPr lang="en-US" sz="900" b="0" dirty="0" smtClean="0">
+              <a:solidFill>
+                <a:schemeClr val="tx2"/>
+              </a:solidFill>
+            </a:rPr>
+            <a:t> or </a:t>
+          </a:r>
+          <a:r>
+            <a:rPr lang="en-US" sz="900" b="0" dirty="0" err="1" smtClean="0">
+              <a:solidFill>
+                <a:schemeClr val="tx2"/>
+              </a:solidFill>
+            </a:rPr>
+            <a:t>HatchDate-AvgIncPeriod</a:t>
+          </a:r>
+          <a:r>
+            <a:rPr lang="en-US" sz="900" b="0" dirty="0" smtClean="0">
+              <a:solidFill>
+                <a:schemeClr val="tx2"/>
+              </a:solidFill>
+            </a:rPr>
+            <a:t/>
+          </a:r>
+          <a:br>
+            <a:rPr lang="en-US" sz="900" b="0" dirty="0" smtClean="0">
+              <a:solidFill>
+                <a:schemeClr val="tx2"/>
+              </a:solidFill>
+            </a:rPr>
+          </a:br>
+          <a:r>
+            <a:rPr lang="en-US" sz="900" b="0" dirty="0" smtClean="0">
+              <a:solidFill>
+                <a:schemeClr val="tx2"/>
+              </a:solidFill>
+            </a:rPr>
+            <a:t>-Event# = 4</a:t>
+          </a:r>
+          <a:endParaRPr lang="en-US" sz="900" b="0" dirty="0" smtClean="0">
+            <a:solidFill>
+              <a:schemeClr val="tx2"/>
+            </a:solidFill>
+          </a:endParaRPr>
+        </a:p>
+      </dgm:t>
+    </dgm:pt>
+    <dgm:pt modelId="{7FA52ADF-AF82-4EEB-BBEF-874F67769BA0}" type="parTrans" cxnId="{E2DC4832-2F55-4D91-9EA4-B0F01104133B}">
+      <dgm:prSet/>
+      <dgm:spPr/>
+      <dgm:t>
+        <a:bodyPr/>
+        <a:lstStyle/>
+        <a:p>
+          <a:endParaRPr lang="en-US" sz="2400"/>
+        </a:p>
+      </dgm:t>
+    </dgm:pt>
+    <dgm:pt modelId="{991D93D0-20C6-45C9-A5A9-0A8D3B7B6413}" type="sibTrans" cxnId="{E2DC4832-2F55-4D91-9EA4-B0F01104133B}">
+      <dgm:prSet/>
+      <dgm:spPr/>
+      <dgm:t>
+        <a:bodyPr/>
+        <a:lstStyle/>
+        <a:p>
+          <a:endParaRPr lang="en-US"/>
+        </a:p>
+      </dgm:t>
+    </dgm:pt>
+    <dgm:pt modelId="{75F53A32-C320-4470-977F-E431C94E97C0}">
+      <dgm:prSet custT="1"/>
+      <dgm:spPr/>
+      <dgm:t>
+        <a:bodyPr/>
+        <a:lstStyle/>
+        <a:p>
+          <a:r>
+            <a:rPr lang="en-US" sz="900" b="1" dirty="0" err="1" smtClean="0"/>
+            <a:t>BroodTrue</a:t>
+          </a:r>
+          <a:r>
+            <a:rPr lang="en-US" sz="900" b="1" dirty="0" smtClean="0"/>
+            <a:t/>
+          </a:r>
+          <a:br>
+            <a:rPr lang="en-US" sz="900" b="1" dirty="0" smtClean="0"/>
+          </a:br>
+          <a:r>
+            <a:rPr lang="en-US" sz="900" b="1" dirty="0" err="1" smtClean="0"/>
+            <a:t>EggDate</a:t>
+          </a:r>
+          <a:endParaRPr lang="en-US" sz="900" b="1" dirty="0"/>
+        </a:p>
+      </dgm:t>
+    </dgm:pt>
+    <dgm:pt modelId="{6A3392A9-979D-48E5-B315-5696F5FD4FD6}" type="parTrans" cxnId="{8A6BDB78-DBD5-4FB6-B53D-CDB8DB97A274}">
+      <dgm:prSet/>
+      <dgm:spPr/>
+      <dgm:t>
+        <a:bodyPr/>
+        <a:lstStyle/>
+        <a:p>
+          <a:endParaRPr lang="en-US" sz="2400"/>
+        </a:p>
+      </dgm:t>
+    </dgm:pt>
+    <dgm:pt modelId="{2D4A9050-B11C-4F2E-8F62-A851CA9DC5B0}" type="sibTrans" cxnId="{8A6BDB78-DBD5-4FB6-B53D-CDB8DB97A274}">
+      <dgm:prSet/>
+      <dgm:spPr/>
+      <dgm:t>
+        <a:bodyPr/>
+        <a:lstStyle/>
+        <a:p>
+          <a:endParaRPr lang="en-US"/>
+        </a:p>
+      </dgm:t>
+    </dgm:pt>
+    <dgm:pt modelId="{08528FE6-32E9-456C-959A-2C3A902C7459}">
+      <dgm:prSet custT="1"/>
+      <dgm:spPr>
+        <a:ln>
+          <a:solidFill>
+            <a:srgbClr val="00B050"/>
+          </a:solidFill>
+        </a:ln>
+      </dgm:spPr>
+      <dgm:t>
+        <a:bodyPr/>
+        <a:lstStyle/>
+        <a:p>
+          <a:r>
+            <a:rPr lang="en-US" sz="900" b="1" dirty="0" err="1" smtClean="0">
+              <a:solidFill>
+                <a:srgbClr val="00B050"/>
+              </a:solidFill>
+            </a:rPr>
+            <a:t>tblBroodEvent</a:t>
+          </a:r>
+          <a:endParaRPr lang="en-US" sz="900" b="1" dirty="0" smtClean="0">
+            <a:solidFill>
+              <a:srgbClr val="00B050"/>
+            </a:solidFill>
+          </a:endParaRPr>
+        </a:p>
+        <a:p>
+          <a:pPr marR="0" rtl="0" eaLnBrk="1" latinLnBrk="0" hangingPunct="1"/>
+          <a:r>
+            <a:rPr lang="en-US" sz="900" b="0" dirty="0" err="1" smtClean="0">
+              <a:solidFill>
+                <a:schemeClr val="tx2"/>
+              </a:solidFill>
+            </a:rPr>
+            <a:t>LayDate</a:t>
+          </a:r>
+          <a:r>
+            <a:rPr lang="en-US" sz="900" b="0" dirty="0" smtClean="0">
+              <a:solidFill>
+                <a:schemeClr val="tx2"/>
+              </a:solidFill>
+            </a:rPr>
+            <a:t> = </a:t>
+          </a:r>
+          <a:r>
+            <a:rPr lang="en-US" sz="900" b="0" dirty="0" err="1" smtClean="0">
+              <a:solidFill>
+                <a:schemeClr val="tx2"/>
+              </a:solidFill>
+            </a:rPr>
             <a:t>EventDate</a:t>
           </a:r>
           <a:r>
@@ -1988,164 +2173,6 @@
             </a:rPr>
             <a:t>yes&amp;no</a:t>
           </a:r>
-          <a:endParaRPr lang="en-US" sz="900" b="0" dirty="0" smtClean="0">
-            <a:solidFill>
-              <a:schemeClr val="tx2"/>
-            </a:solidFill>
-          </a:endParaRPr>
-        </a:p>
-      </dgm:t>
-    </dgm:pt>
-    <dgm:pt modelId="{7FA52ADF-AF82-4EEB-BBEF-874F67769BA0}" type="parTrans" cxnId="{E2DC4832-2F55-4D91-9EA4-B0F01104133B}">
-      <dgm:prSet/>
-      <dgm:spPr/>
-      <dgm:t>
-        <a:bodyPr/>
-        <a:lstStyle/>
-        <a:p>
-          <a:endParaRPr lang="en-US" sz="2400"/>
-        </a:p>
-      </dgm:t>
-    </dgm:pt>
-    <dgm:pt modelId="{991D93D0-20C6-45C9-A5A9-0A8D3B7B6413}" type="sibTrans" cxnId="{E2DC4832-2F55-4D91-9EA4-B0F01104133B}">
-      <dgm:prSet/>
-      <dgm:spPr/>
-      <dgm:t>
-        <a:bodyPr/>
-        <a:lstStyle/>
-        <a:p>
-          <a:endParaRPr lang="en-US"/>
-        </a:p>
-      </dgm:t>
-    </dgm:pt>
-    <dgm:pt modelId="{75F53A32-C320-4470-977F-E431C94E97C0}">
-      <dgm:prSet custT="1"/>
-      <dgm:spPr/>
-      <dgm:t>
-        <a:bodyPr/>
-        <a:lstStyle/>
-        <a:p>
-          <a:r>
-            <a:rPr lang="en-US" sz="900" b="1" dirty="0" err="1" smtClean="0"/>
-            <a:t>BroodTrue</a:t>
-          </a:r>
-          <a:r>
-            <a:rPr lang="en-US" sz="900" b="1" dirty="0" smtClean="0"/>
-            <a:t/>
-          </a:r>
-          <a:br>
-            <a:rPr lang="en-US" sz="900" b="1" dirty="0" smtClean="0"/>
-          </a:br>
-          <a:r>
-            <a:rPr lang="en-US" sz="900" b="1" dirty="0" err="1" smtClean="0"/>
-            <a:t>EggDate</a:t>
-          </a:r>
-          <a:endParaRPr lang="en-US" sz="900" b="1" dirty="0"/>
-        </a:p>
-      </dgm:t>
-    </dgm:pt>
-    <dgm:pt modelId="{6A3392A9-979D-48E5-B315-5696F5FD4FD6}" type="parTrans" cxnId="{8A6BDB78-DBD5-4FB6-B53D-CDB8DB97A274}">
-      <dgm:prSet/>
-      <dgm:spPr/>
-      <dgm:t>
-        <a:bodyPr/>
-        <a:lstStyle/>
-        <a:p>
-          <a:endParaRPr lang="en-US" sz="2400"/>
-        </a:p>
-      </dgm:t>
-    </dgm:pt>
-    <dgm:pt modelId="{2D4A9050-B11C-4F2E-8F62-A851CA9DC5B0}" type="sibTrans" cxnId="{8A6BDB78-DBD5-4FB6-B53D-CDB8DB97A274}">
-      <dgm:prSet/>
-      <dgm:spPr/>
-      <dgm:t>
-        <a:bodyPr/>
-        <a:lstStyle/>
-        <a:p>
-          <a:endParaRPr lang="en-US"/>
-        </a:p>
-      </dgm:t>
-    </dgm:pt>
-    <dgm:pt modelId="{08528FE6-32E9-456C-959A-2C3A902C7459}">
-      <dgm:prSet custT="1"/>
-      <dgm:spPr>
-        <a:ln>
-          <a:solidFill>
-            <a:srgbClr val="00B050"/>
-          </a:solidFill>
-        </a:ln>
-      </dgm:spPr>
-      <dgm:t>
-        <a:bodyPr/>
-        <a:lstStyle/>
-        <a:p>
-          <a:r>
-            <a:rPr lang="en-US" sz="900" b="1" dirty="0" err="1" smtClean="0">
-              <a:solidFill>
-                <a:srgbClr val="00B050"/>
-              </a:solidFill>
-            </a:rPr>
-            <a:t>tblBroodEvent</a:t>
-          </a:r>
-          <a:endParaRPr lang="en-US" sz="900" b="1" dirty="0" smtClean="0">
-            <a:solidFill>
-              <a:srgbClr val="00B050"/>
-            </a:solidFill>
-          </a:endParaRPr>
-        </a:p>
-        <a:p>
-          <a:pPr marR="0" rtl="0" eaLnBrk="1" latinLnBrk="0" hangingPunct="1"/>
-          <a:r>
-            <a:rPr lang="en-US" sz="900" b="0" dirty="0" smtClean="0">
-              <a:solidFill>
-                <a:schemeClr val="tx2"/>
-              </a:solidFill>
-            </a:rPr>
-            <a:t>-Identic as above</a:t>
-          </a:r>
-          <a:br>
-            <a:rPr lang="en-US" sz="900" b="0" dirty="0" smtClean="0">
-              <a:solidFill>
-                <a:schemeClr val="tx2"/>
-              </a:solidFill>
-            </a:rPr>
-          </a:br>
-          <a:r>
-            <a:rPr lang="en-US" sz="900" b="0" dirty="0" smtClean="0">
-              <a:solidFill>
-                <a:schemeClr val="tx2"/>
-              </a:solidFill>
-            </a:rPr>
-            <a:t>-</a:t>
-          </a:r>
-          <a:r>
-            <a:rPr lang="en-US" sz="900" dirty="0" err="1" smtClean="0">
-              <a:solidFill>
-                <a:srgbClr val="1F497D"/>
-              </a:solidFill>
-              <a:highlight>
-                <a:srgbClr val="FFFF00"/>
-              </a:highlight>
-              <a:latin typeface="+mn-lt"/>
-              <a:ea typeface="Calibri"/>
-              <a:cs typeface="Times New Roman"/>
-            </a:rPr>
-            <a:t>DateEstimated</a:t>
-          </a:r>
-          <a:r>
-            <a:rPr lang="en-US" sz="900" dirty="0" smtClean="0">
-              <a:solidFill>
-                <a:srgbClr val="1F497D"/>
-              </a:solidFill>
-              <a:highlight>
-                <a:srgbClr val="FFFF00"/>
-              </a:highlight>
-              <a:latin typeface="+mn-lt"/>
-              <a:ea typeface="Calibri"/>
-              <a:cs typeface="Times New Roman"/>
-            </a:rPr>
-            <a:t> = no ?</a:t>
-          </a:r>
           <a:endParaRPr lang="en-US" sz="900" dirty="0">
             <a:solidFill>
               <a:srgbClr val="1F497D"/>
@@ -2361,6 +2388,13 @@
         </dgm:presLayoutVars>
       </dgm:prSet>
       <dgm:spPr/>
+      <dgm:t>
+        <a:bodyPr/>
+        <a:lstStyle/>
+        <a:p>
+          <a:endParaRPr lang="en-US"/>
+        </a:p>
+      </dgm:t>
     </dgm:pt>
     <dgm:pt modelId="{D4A58A86-3A97-467D-974C-B5AD8E6B2DE5}" type="pres">
       <dgm:prSet presAssocID="{72083E10-9578-428E-9526-4CA88DDE97A2}" presName="hierRoot1" presStyleCnt="0">
@@ -2392,6 +2426,13 @@
     <dgm:pt modelId="{FF1B0FC5-8795-428E-BAB2-51655DF9BFAC}" type="pres">
       <dgm:prSet presAssocID="{72083E10-9578-428E-9526-4CA88DDE97A2}" presName="rootConnector1" presStyleLbl="node1" presStyleIdx="0" presStyleCnt="0"/>
       <dgm:spPr/>
+      <dgm:t>
+        <a:bodyPr/>
+        <a:lstStyle/>
+        <a:p>
+          <a:endParaRPr lang="en-US"/>
+        </a:p>
+      </dgm:t>
     </dgm:pt>
     <dgm:pt modelId="{F6659865-90AE-45C7-8FB7-61D01A2E71D2}" type="pres">
       <dgm:prSet presAssocID="{72083E10-9578-428E-9526-4CA88DDE97A2}" presName="hierChild2" presStyleCnt="0"/>
@@ -2431,6 +2472,13 @@
     <dgm:pt modelId="{CF2F7F3E-7E7D-4936-A1EC-318FAD052DCC}" type="pres">
       <dgm:prSet presAssocID="{9ACAFCFC-5142-4C6A-A550-74BE20AD0CD4}" presName="rootConnector1" presStyleLbl="node1" presStyleIdx="0" presStyleCnt="0"/>
       <dgm:spPr/>
+      <dgm:t>
+        <a:bodyPr/>
+        <a:lstStyle/>
+        <a:p>
+          <a:endParaRPr lang="en-US"/>
+        </a:p>
+      </dgm:t>
     </dgm:pt>
     <dgm:pt modelId="{290DFCD5-71FC-4FC9-A8D1-3A74D79F1627}" type="pres">
       <dgm:prSet presAssocID="{9ACAFCFC-5142-4C6A-A550-74BE20AD0CD4}" presName="hierChild2" presStyleCnt="0"/>
@@ -2439,6 +2487,13 @@
     <dgm:pt modelId="{829303FF-0E5D-44E1-BE44-9CC2D1BFF960}" type="pres">
       <dgm:prSet presAssocID="{5210E6C0-7B5F-4615-8FD8-15609B60CBD8}" presName="Name64" presStyleLbl="parChTrans1D2" presStyleIdx="0" presStyleCnt="3"/>
       <dgm:spPr/>
+      <dgm:t>
+        <a:bodyPr/>
+        <a:lstStyle/>
+        <a:p>
+          <a:endParaRPr lang="en-US"/>
+        </a:p>
+      </dgm:t>
     </dgm:pt>
     <dgm:pt modelId="{EEAEC424-8B7D-42D1-A671-7D8D4527F07B}" type="pres">
       <dgm:prSet presAssocID="{1449AB31-8A25-46F0-A80A-8595609BEB64}" presName="hierRoot2" presStyleCnt="0">
@@ -2459,10 +2514,24 @@
         </dgm:presLayoutVars>
       </dgm:prSet>
       <dgm:spPr/>
+      <dgm:t>
+        <a:bodyPr/>
+        <a:lstStyle/>
+        <a:p>
+          <a:endParaRPr lang="en-US"/>
+        </a:p>
+      </dgm:t>
     </dgm:pt>
     <dgm:pt modelId="{11D806AB-6C7B-469D-8722-6E4414FEC5D7}" type="pres">
       <dgm:prSet presAssocID="{1449AB31-8A25-46F0-A80A-8595609BEB64}" presName="rootConnector" presStyleLbl="node2" presStyleIdx="0" presStyleCnt="3"/>
       <dgm:spPr/>
+      <dgm:t>
+        <a:bodyPr/>
+        <a:lstStyle/>
+        <a:p>
+          <a:endParaRPr lang="en-US"/>
+        </a:p>
+      </dgm:t>
     </dgm:pt>
     <dgm:pt modelId="{07A164DF-5E38-42E8-8471-B2755CA34668}" type="pres">
       <dgm:prSet presAssocID="{1449AB31-8A25-46F0-A80A-8595609BEB64}" presName="hierChild4" presStyleCnt="0"/>
@@ -2475,6 +2544,13 @@
     <dgm:pt modelId="{C749CD90-5ED1-40E7-9C5B-D2F44FC6E4B6}" type="pres">
       <dgm:prSet presAssocID="{30DB14B4-C961-470D-9A47-EEC7F9368630}" presName="Name64" presStyleLbl="parChTrans1D2" presStyleIdx="1" presStyleCnt="3"/>
       <dgm:spPr/>
+      <dgm:t>
+        <a:bodyPr/>
+        <a:lstStyle/>
+        <a:p>
+          <a:endParaRPr lang="en-US"/>
+        </a:p>
+      </dgm:t>
     </dgm:pt>
     <dgm:pt modelId="{0038A0A3-B932-4A08-92D8-3EAB49DC3ED9}" type="pres">
       <dgm:prSet presAssocID="{A38FC05A-5E07-4CA3-AED3-120F80C38C9B}" presName="hierRoot2" presStyleCnt="0">
@@ -2495,10 +2571,24 @@
         </dgm:presLayoutVars>
       </dgm:prSet>
       <dgm:spPr/>
+      <dgm:t>
+        <a:bodyPr/>
+        <a:lstStyle/>
+        <a:p>
+          <a:endParaRPr lang="en-US"/>
+        </a:p>
+      </dgm:t>
     </dgm:pt>
     <dgm:pt modelId="{B2997602-79B5-4384-AE80-96DC36476E35}" type="pres">
       <dgm:prSet presAssocID="{A38FC05A-5E07-4CA3-AED3-120F80C38C9B}" presName="rootConnector" presStyleLbl="node2" presStyleIdx="1" presStyleCnt="3"/>
       <dgm:spPr/>
+      <dgm:t>
+        <a:bodyPr/>
+        <a:lstStyle/>
+        <a:p>
+          <a:endParaRPr lang="en-US"/>
+        </a:p>
+      </dgm:t>
     </dgm:pt>
     <dgm:pt modelId="{2FBB6852-4AAD-4074-B6CF-AEA51B5ABCCC}" type="pres">
       <dgm:prSet presAssocID="{A38FC05A-5E07-4CA3-AED3-120F80C38C9B}" presName="hierChild4" presStyleCnt="0"/>
@@ -2507,6 +2597,13 @@
     <dgm:pt modelId="{A8225C88-2817-46A0-818B-85A6BE965AFA}" type="pres">
       <dgm:prSet presAssocID="{B418CCCB-3D8E-40A5-A63E-B776B151621B}" presName="Name64" presStyleLbl="parChTrans1D3" presStyleIdx="0" presStyleCnt="6"/>
       <dgm:spPr/>
+      <dgm:t>
+        <a:bodyPr/>
+        <a:lstStyle/>
+        <a:p>
+          <a:endParaRPr lang="en-US"/>
+        </a:p>
+      </dgm:t>
     </dgm:pt>
     <dgm:pt modelId="{5419824A-1728-41A4-80DB-50706CB05D02}" type="pres">
       <dgm:prSet presAssocID="{5938898E-B83D-4A8D-ADFE-B46B956AAD91}" presName="hierRoot2" presStyleCnt="0">
@@ -2527,10 +2624,24 @@
         </dgm:presLayoutVars>
       </dgm:prSet>
       <dgm:spPr/>
+      <dgm:t>
+        <a:bodyPr/>
+        <a:lstStyle/>
+        <a:p>
+          <a:endParaRPr lang="en-US"/>
+        </a:p>
+      </dgm:t>
     </dgm:pt>
     <dgm:pt modelId="{F182D3DD-3606-48A3-B448-96DC69FA52C0}" type="pres">
       <dgm:prSet presAssocID="{5938898E-B83D-4A8D-ADFE-B46B956AAD91}" presName="rootConnector" presStyleLbl="node3" presStyleIdx="0" presStyleCnt="6"/>
       <dgm:spPr/>
+      <dgm:t>
+        <a:bodyPr/>
+        <a:lstStyle/>
+        <a:p>
+          <a:endParaRPr lang="en-US"/>
+        </a:p>
+      </dgm:t>
     </dgm:pt>
     <dgm:pt modelId="{6E112C8C-88C4-4196-97FD-8125CCC392ED}" type="pres">
       <dgm:prSet presAssocID="{5938898E-B83D-4A8D-ADFE-B46B956AAD91}" presName="hierChild4" presStyleCnt="0"/>
@@ -2539,6 +2650,13 @@
     <dgm:pt modelId="{0D13F3D3-F52B-405F-9AB4-ACB1EAA67343}" type="pres">
       <dgm:prSet presAssocID="{2E26C329-07A6-4580-BD5F-A25ABABC2577}" presName="Name64" presStyleLbl="parChTrans1D4" presStyleIdx="0" presStyleCnt="11"/>
       <dgm:spPr/>
+      <dgm:t>
+        <a:bodyPr/>
+        <a:lstStyle/>
+        <a:p>
+          <a:endParaRPr lang="en-US"/>
+        </a:p>
+      </dgm:t>
     </dgm:pt>
     <dgm:pt modelId="{89803260-CA6D-42BC-9AC3-73FADADD63DE}" type="pres">
       <dgm:prSet presAssocID="{4855453F-452C-4D92-BB74-2F5768AFE959}" presName="hierRoot2" presStyleCnt="0">
@@ -2570,6 +2688,13 @@
     <dgm:pt modelId="{04180C38-66CB-4C31-BD26-6011D4C5B5E4}" type="pres">
       <dgm:prSet presAssocID="{4855453F-452C-4D92-BB74-2F5768AFE959}" presName="rootConnector" presStyleLbl="node4" presStyleIdx="0" presStyleCnt="11"/>
       <dgm:spPr/>
+      <dgm:t>
+        <a:bodyPr/>
+        <a:lstStyle/>
+        <a:p>
+          <a:endParaRPr lang="en-US"/>
+        </a:p>
+      </dgm:t>
     </dgm:pt>
     <dgm:pt modelId="{AB79871E-490A-4C75-8994-FDB6ACAB8335}" type="pres">
       <dgm:prSet presAssocID="{4855453F-452C-4D92-BB74-2F5768AFE959}" presName="hierChild4" presStyleCnt="0"/>
@@ -2582,6 +2707,13 @@
     <dgm:pt modelId="{2A2A6BBA-901C-4E3D-A6E7-22B2AF0B5B07}" type="pres">
       <dgm:prSet presAssocID="{8A54C7B1-9809-4B40-8397-A1D81C414B39}" presName="Name64" presStyleLbl="parChTrans1D4" presStyleIdx="1" presStyleCnt="11"/>
       <dgm:spPr/>
+      <dgm:t>
+        <a:bodyPr/>
+        <a:lstStyle/>
+        <a:p>
+          <a:endParaRPr lang="en-US"/>
+        </a:p>
+      </dgm:t>
     </dgm:pt>
     <dgm:pt modelId="{95D7952E-D315-4BCB-A057-8C4063B55F52}" type="pres">
       <dgm:prSet presAssocID="{3181B794-750D-4313-8B75-982D23FEEDBA}" presName="hierRoot2" presStyleCnt="0">
@@ -2613,6 +2745,13 @@
     <dgm:pt modelId="{4F5EE5BE-E5D7-4854-BE3B-4F5E4165AB21}" type="pres">
       <dgm:prSet presAssocID="{3181B794-750D-4313-8B75-982D23FEEDBA}" presName="rootConnector" presStyleLbl="node4" presStyleIdx="1" presStyleCnt="11"/>
       <dgm:spPr/>
+      <dgm:t>
+        <a:bodyPr/>
+        <a:lstStyle/>
+        <a:p>
+          <a:endParaRPr lang="en-US"/>
+        </a:p>
+      </dgm:t>
     </dgm:pt>
     <dgm:pt modelId="{B2CED700-9BBA-4AE2-A878-B0ECF7D0B65A}" type="pres">
       <dgm:prSet presAssocID="{3181B794-750D-4313-8B75-982D23FEEDBA}" presName="hierChild4" presStyleCnt="0"/>
@@ -2629,6 +2768,13 @@
     <dgm:pt modelId="{795A9348-3C46-4783-965F-BE2D1EF3BA93}" type="pres">
       <dgm:prSet presAssocID="{922EF086-B5F5-48AA-B17C-ECF9CC80F891}" presName="Name64" presStyleLbl="parChTrans1D3" presStyleIdx="1" presStyleCnt="6"/>
       <dgm:spPr/>
+      <dgm:t>
+        <a:bodyPr/>
+        <a:lstStyle/>
+        <a:p>
+          <a:endParaRPr lang="en-US"/>
+        </a:p>
+      </dgm:t>
     </dgm:pt>
     <dgm:pt modelId="{340BA1B6-215B-4C69-8C89-C7EFB1DBAB62}" type="pres">
       <dgm:prSet presAssocID="{ACE0BA07-4240-4352-98CB-835CF479A9E3}" presName="hierRoot2" presStyleCnt="0">
@@ -2649,10 +2795,24 @@
         </dgm:presLayoutVars>
       </dgm:prSet>
       <dgm:spPr/>
+      <dgm:t>
+        <a:bodyPr/>
+        <a:lstStyle/>
+        <a:p>
+          <a:endParaRPr lang="en-US"/>
+        </a:p>
+      </dgm:t>
     </dgm:pt>
     <dgm:pt modelId="{49CACFDC-0231-4C4C-BF16-01C2C3298D4F}" type="pres">
       <dgm:prSet presAssocID="{ACE0BA07-4240-4352-98CB-835CF479A9E3}" presName="rootConnector" presStyleLbl="node3" presStyleIdx="1" presStyleCnt="6"/>
       <dgm:spPr/>
+      <dgm:t>
+        <a:bodyPr/>
+        <a:lstStyle/>
+        <a:p>
+          <a:endParaRPr lang="en-US"/>
+        </a:p>
+      </dgm:t>
     </dgm:pt>
     <dgm:pt modelId="{6ED3D9D1-ADBD-4CF4-9A69-D9A58F238F09}" type="pres">
       <dgm:prSet presAssocID="{ACE0BA07-4240-4352-98CB-835CF479A9E3}" presName="hierChild4" presStyleCnt="0"/>
@@ -2661,6 +2821,13 @@
     <dgm:pt modelId="{7A6F9708-7288-4591-88DA-854BDBF4BA4B}" type="pres">
       <dgm:prSet presAssocID="{94B2E0DF-0980-40FA-99DE-DBD172B103F9}" presName="Name64" presStyleLbl="parChTrans1D4" presStyleIdx="2" presStyleCnt="11"/>
       <dgm:spPr/>
+      <dgm:t>
+        <a:bodyPr/>
+        <a:lstStyle/>
+        <a:p>
+          <a:endParaRPr lang="en-US"/>
+        </a:p>
+      </dgm:t>
     </dgm:pt>
     <dgm:pt modelId="{26201F52-BD13-488A-A0B1-1BBF9A4998DB}" type="pres">
       <dgm:prSet presAssocID="{31D04EAE-0456-4DBD-80A1-E4B70D6FBA73}" presName="hierRoot2" presStyleCnt="0">
@@ -2692,6 +2859,13 @@
     <dgm:pt modelId="{B1849D73-D528-4533-878E-672682CCD73A}" type="pres">
       <dgm:prSet presAssocID="{31D04EAE-0456-4DBD-80A1-E4B70D6FBA73}" presName="rootConnector" presStyleLbl="node4" presStyleIdx="2" presStyleCnt="11"/>
       <dgm:spPr/>
+      <dgm:t>
+        <a:bodyPr/>
+        <a:lstStyle/>
+        <a:p>
+          <a:endParaRPr lang="en-US"/>
+        </a:p>
+      </dgm:t>
     </dgm:pt>
     <dgm:pt modelId="{B4329B38-BD33-41B5-9815-3C26856EBF05}" type="pres">
       <dgm:prSet presAssocID="{31D04EAE-0456-4DBD-80A1-E4B70D6FBA73}" presName="hierChild4" presStyleCnt="0"/>
@@ -2708,6 +2882,13 @@
     <dgm:pt modelId="{7884762C-2E66-4468-BC6B-85AA282B0A50}" type="pres">
       <dgm:prSet presAssocID="{F6CB9EFE-29F9-4177-8244-744E640A8E5D}" presName="Name64" presStyleLbl="parChTrans1D3" presStyleIdx="2" presStyleCnt="6"/>
       <dgm:spPr/>
+      <dgm:t>
+        <a:bodyPr/>
+        <a:lstStyle/>
+        <a:p>
+          <a:endParaRPr lang="en-US"/>
+        </a:p>
+      </dgm:t>
     </dgm:pt>
     <dgm:pt modelId="{ACD2BC9D-CD09-419C-AFC4-7F64209B9429}" type="pres">
       <dgm:prSet presAssocID="{9AAC3032-4E54-451F-82F9-4B2A400F0ABD}" presName="hierRoot2" presStyleCnt="0">
@@ -2739,6 +2920,13 @@
     <dgm:pt modelId="{D24B221A-8DD8-47C6-A1D8-9CAF5BF44380}" type="pres">
       <dgm:prSet presAssocID="{9AAC3032-4E54-451F-82F9-4B2A400F0ABD}" presName="rootConnector" presStyleLbl="node3" presStyleIdx="2" presStyleCnt="6"/>
       <dgm:spPr/>
+      <dgm:t>
+        <a:bodyPr/>
+        <a:lstStyle/>
+        <a:p>
+          <a:endParaRPr lang="en-US"/>
+        </a:p>
+      </dgm:t>
     </dgm:pt>
     <dgm:pt modelId="{747AAB3E-6F67-44D6-83DE-951CAF358DAD}" type="pres">
       <dgm:prSet presAssocID="{9AAC3032-4E54-451F-82F9-4B2A400F0ABD}" presName="hierChild4" presStyleCnt="0"/>
@@ -2747,6 +2935,13 @@
     <dgm:pt modelId="{FC9F881F-346A-4232-8729-025F5114BFE7}" type="pres">
       <dgm:prSet presAssocID="{1DB26985-C23A-4CB2-95EB-22114188AB5C}" presName="Name64" presStyleLbl="parChTrans1D4" presStyleIdx="3" presStyleCnt="11"/>
       <dgm:spPr/>
+      <dgm:t>
+        <a:bodyPr/>
+        <a:lstStyle/>
+        <a:p>
+          <a:endParaRPr lang="en-US"/>
+        </a:p>
+      </dgm:t>
     </dgm:pt>
     <dgm:pt modelId="{CDD7DCE3-11AC-4FCC-BB30-2FA6048F8E2E}" type="pres">
       <dgm:prSet presAssocID="{0F6E0FEE-B4D8-4B84-AC7C-12039A4528B1}" presName="hierRoot2" presStyleCnt="0">
@@ -2778,6 +2973,13 @@
     <dgm:pt modelId="{94D5788E-DB9C-4A72-911E-D47EB168C009}" type="pres">
       <dgm:prSet presAssocID="{0F6E0FEE-B4D8-4B84-AC7C-12039A4528B1}" presName="rootConnector" presStyleLbl="node4" presStyleIdx="3" presStyleCnt="11"/>
       <dgm:spPr/>
+      <dgm:t>
+        <a:bodyPr/>
+        <a:lstStyle/>
+        <a:p>
+          <a:endParaRPr lang="en-US"/>
+        </a:p>
+      </dgm:t>
     </dgm:pt>
     <dgm:pt modelId="{AEB7172C-26F7-44F1-894A-86DB4EA5EF7E}" type="pres">
       <dgm:prSet presAssocID="{0F6E0FEE-B4D8-4B84-AC7C-12039A4528B1}" presName="hierChild4" presStyleCnt="0"/>
@@ -2790,6 +2992,13 @@
     <dgm:pt modelId="{3FAB00D3-DA40-492A-9E8F-72FCCD8FB5A4}" type="pres">
       <dgm:prSet presAssocID="{B264069D-0CDC-4BB0-A9D3-138A0FFA53C9}" presName="Name64" presStyleLbl="parChTrans1D4" presStyleIdx="4" presStyleCnt="11"/>
       <dgm:spPr/>
+      <dgm:t>
+        <a:bodyPr/>
+        <a:lstStyle/>
+        <a:p>
+          <a:endParaRPr lang="en-US"/>
+        </a:p>
+      </dgm:t>
     </dgm:pt>
     <dgm:pt modelId="{36C988B9-1A02-4720-8853-E63A4EFD4E71}" type="pres">
       <dgm:prSet presAssocID="{37A5FAC2-BDBB-4F28-BA96-A25AB4B89392}" presName="hierRoot2" presStyleCnt="0">
@@ -2821,6 +3030,13 @@
     <dgm:pt modelId="{06981AFA-F45F-4503-860A-EC6F53B297AB}" type="pres">
       <dgm:prSet presAssocID="{37A5FAC2-BDBB-4F28-BA96-A25AB4B89392}" presName="rootConnector" presStyleLbl="node4" presStyleIdx="4" presStyleCnt="11"/>
       <dgm:spPr/>
+      <dgm:t>
+        <a:bodyPr/>
+        <a:lstStyle/>
+        <a:p>
+          <a:endParaRPr lang="en-US"/>
+        </a:p>
+      </dgm:t>
     </dgm:pt>
     <dgm:pt modelId="{3E173477-17B9-48EF-A008-A3F98B8DF1A4}" type="pres">
       <dgm:prSet presAssocID="{37A5FAC2-BDBB-4F28-BA96-A25AB4B89392}" presName="hierChild4" presStyleCnt="0"/>
@@ -2829,6 +3045,13 @@
     <dgm:pt modelId="{02C840AE-42BC-455D-9497-428F81BDFFA1}" type="pres">
       <dgm:prSet presAssocID="{CF230FE7-9DBA-4183-BDBD-927E08B37C56}" presName="Name64" presStyleLbl="parChTrans1D4" presStyleIdx="5" presStyleCnt="11"/>
       <dgm:spPr/>
+      <dgm:t>
+        <a:bodyPr/>
+        <a:lstStyle/>
+        <a:p>
+          <a:endParaRPr lang="en-US"/>
+        </a:p>
+      </dgm:t>
     </dgm:pt>
     <dgm:pt modelId="{6581E31C-E312-46A0-879D-216C729A6AA9}" type="pres">
       <dgm:prSet presAssocID="{BA799F54-9352-40D3-AA86-594E3F5F79AA}" presName="hierRoot2" presStyleCnt="0">
@@ -2849,10 +3072,24 @@
         </dgm:presLayoutVars>
       </dgm:prSet>
       <dgm:spPr/>
+      <dgm:t>
+        <a:bodyPr/>
+        <a:lstStyle/>
+        <a:p>
+          <a:endParaRPr lang="en-US"/>
+        </a:p>
+      </dgm:t>
     </dgm:pt>
     <dgm:pt modelId="{B4FC50F6-3AE2-4AB2-B331-709FE78EDC77}" type="pres">
       <dgm:prSet presAssocID="{BA799F54-9352-40D3-AA86-594E3F5F79AA}" presName="rootConnector" presStyleLbl="node4" presStyleIdx="5" presStyleCnt="11"/>
       <dgm:spPr/>
+      <dgm:t>
+        <a:bodyPr/>
+        <a:lstStyle/>
+        <a:p>
+          <a:endParaRPr lang="en-US"/>
+        </a:p>
+      </dgm:t>
     </dgm:pt>
     <dgm:pt modelId="{BE862128-BAB9-4AD3-8229-EDA26D40FF66}" type="pres">
       <dgm:prSet presAssocID="{BA799F54-9352-40D3-AA86-594E3F5F79AA}" presName="hierChild4" presStyleCnt="0"/>
@@ -2861,6 +3098,13 @@
     <dgm:pt modelId="{149CBAA0-C684-4E2E-8BC0-0C3163B36783}" type="pres">
       <dgm:prSet presAssocID="{7FA52ADF-AF82-4EEB-BBEF-874F67769BA0}" presName="Name64" presStyleLbl="parChTrans1D4" presStyleIdx="6" presStyleCnt="11"/>
       <dgm:spPr/>
+      <dgm:t>
+        <a:bodyPr/>
+        <a:lstStyle/>
+        <a:p>
+          <a:endParaRPr lang="en-US"/>
+        </a:p>
+      </dgm:t>
     </dgm:pt>
     <dgm:pt modelId="{FF9E461E-9FF5-4E7C-A12F-A0D3985163C8}" type="pres">
       <dgm:prSet presAssocID="{FC32A58B-ED6D-487E-9E93-189426A26A59}" presName="hierRoot2" presStyleCnt="0">
@@ -2881,10 +3125,24 @@
         </dgm:presLayoutVars>
       </dgm:prSet>
       <dgm:spPr/>
+      <dgm:t>
+        <a:bodyPr/>
+        <a:lstStyle/>
+        <a:p>
+          <a:endParaRPr lang="en-US"/>
+        </a:p>
+      </dgm:t>
     </dgm:pt>
     <dgm:pt modelId="{F13825E2-2C5C-4976-AACF-A5D887850619}" type="pres">
       <dgm:prSet presAssocID="{FC32A58B-ED6D-487E-9E93-189426A26A59}" presName="rootConnector" presStyleLbl="node4" presStyleIdx="6" presStyleCnt="11"/>
       <dgm:spPr/>
+      <dgm:t>
+        <a:bodyPr/>
+        <a:lstStyle/>
+        <a:p>
+          <a:endParaRPr lang="en-US"/>
+        </a:p>
+      </dgm:t>
     </dgm:pt>
     <dgm:pt modelId="{88D72230-CFD8-451E-A9CB-CA6CD7F0D7B7}" type="pres">
       <dgm:prSet presAssocID="{FC32A58B-ED6D-487E-9E93-189426A26A59}" presName="hierChild4" presStyleCnt="0"/>
@@ -2901,6 +3159,13 @@
     <dgm:pt modelId="{E7E85C0F-FE28-430F-BD49-ABCEF7FD3465}" type="pres">
       <dgm:prSet presAssocID="{6A3392A9-979D-48E5-B315-5696F5FD4FD6}" presName="Name64" presStyleLbl="parChTrans1D4" presStyleIdx="7" presStyleCnt="11"/>
       <dgm:spPr/>
+      <dgm:t>
+        <a:bodyPr/>
+        <a:lstStyle/>
+        <a:p>
+          <a:endParaRPr lang="en-US"/>
+        </a:p>
+      </dgm:t>
     </dgm:pt>
     <dgm:pt modelId="{E598E4C4-538B-4A07-B01A-B21199BB1827}" type="pres">
       <dgm:prSet presAssocID="{75F53A32-C320-4470-977F-E431C94E97C0}" presName="hierRoot2" presStyleCnt="0">
@@ -2921,10 +3186,24 @@
         </dgm:presLayoutVars>
       </dgm:prSet>
       <dgm:spPr/>
+      <dgm:t>
+        <a:bodyPr/>
+        <a:lstStyle/>
+        <a:p>
+          <a:endParaRPr lang="en-US"/>
+        </a:p>
+      </dgm:t>
     </dgm:pt>
     <dgm:pt modelId="{7A41563E-8379-4134-B1CD-181461C015EA}" type="pres">
       <dgm:prSet presAssocID="{75F53A32-C320-4470-977F-E431C94E97C0}" presName="rootConnector" presStyleLbl="node4" presStyleIdx="7" presStyleCnt="11"/>
       <dgm:spPr/>
+      <dgm:t>
+        <a:bodyPr/>
+        <a:lstStyle/>
+        <a:p>
+          <a:endParaRPr lang="en-US"/>
+        </a:p>
+      </dgm:t>
     </dgm:pt>
     <dgm:pt modelId="{FAA56BC7-B56F-4221-955C-C85CCA572F33}" type="pres">
       <dgm:prSet presAssocID="{75F53A32-C320-4470-977F-E431C94E97C0}" presName="hierChild4" presStyleCnt="0"/>
@@ -2933,6 +3212,13 @@
     <dgm:pt modelId="{E2510A0D-E879-49BA-9CE1-208AC6403D5F}" type="pres">
       <dgm:prSet presAssocID="{26D8E0AF-46A6-4F2C-B89B-8FA01A5AB743}" presName="Name64" presStyleLbl="parChTrans1D4" presStyleIdx="8" presStyleCnt="11"/>
       <dgm:spPr/>
+      <dgm:t>
+        <a:bodyPr/>
+        <a:lstStyle/>
+        <a:p>
+          <a:endParaRPr lang="en-US"/>
+        </a:p>
+      </dgm:t>
     </dgm:pt>
     <dgm:pt modelId="{DE70F608-A9FA-4ECC-815D-184C69E12A75}" type="pres">
       <dgm:prSet presAssocID="{08528FE6-32E9-456C-959A-2C3A902C7459}" presName="hierRoot2" presStyleCnt="0">
@@ -2947,16 +3233,30 @@
       <dgm:spPr/>
     </dgm:pt>
     <dgm:pt modelId="{2CA9EEE3-1211-4D7E-BF1E-B20057926462}" type="pres">
-      <dgm:prSet presAssocID="{08528FE6-32E9-456C-959A-2C3A902C7459}" presName="rootText" presStyleLbl="node4" presStyleIdx="8" presStyleCnt="11" custScaleX="97192" custScaleY="158832">
+      <dgm:prSet presAssocID="{08528FE6-32E9-456C-959A-2C3A902C7459}" presName="rootText" presStyleLbl="node4" presStyleIdx="8" presStyleCnt="11" custScaleX="108032" custScaleY="235173">
         <dgm:presLayoutVars>
           <dgm:chPref val="3"/>
         </dgm:presLayoutVars>
       </dgm:prSet>
       <dgm:spPr/>
+      <dgm:t>
+        <a:bodyPr/>
+        <a:lstStyle/>
+        <a:p>
+          <a:endParaRPr lang="en-US"/>
+        </a:p>
+      </dgm:t>
     </dgm:pt>
     <dgm:pt modelId="{09313367-F7E0-4887-93F8-1A6FFEAE1587}" type="pres">
       <dgm:prSet presAssocID="{08528FE6-32E9-456C-959A-2C3A902C7459}" presName="rootConnector" presStyleLbl="node4" presStyleIdx="8" presStyleCnt="11"/>
       <dgm:spPr/>
+      <dgm:t>
+        <a:bodyPr/>
+        <a:lstStyle/>
+        <a:p>
+          <a:endParaRPr lang="en-US"/>
+        </a:p>
+      </dgm:t>
     </dgm:pt>
     <dgm:pt modelId="{F1094C33-ED2E-41EC-AC0A-A6A80039D9A4}" type="pres">
       <dgm:prSet presAssocID="{08528FE6-32E9-456C-959A-2C3A902C7459}" presName="hierChild4" presStyleCnt="0"/>
@@ -2981,6 +3281,13 @@
     <dgm:pt modelId="{5D77A52A-903B-48DD-BE42-A04771C37A37}" type="pres">
       <dgm:prSet presAssocID="{C54C9557-C9FA-43EB-A6ED-2E67735708FC}" presName="Name64" presStyleLbl="parChTrans1D3" presStyleIdx="3" presStyleCnt="6"/>
       <dgm:spPr/>
+      <dgm:t>
+        <a:bodyPr/>
+        <a:lstStyle/>
+        <a:p>
+          <a:endParaRPr lang="en-US"/>
+        </a:p>
+      </dgm:t>
     </dgm:pt>
     <dgm:pt modelId="{A9C7B974-EABA-4A59-95D9-0A2439E773F3}" type="pres">
       <dgm:prSet presAssocID="{27CE63BC-64D4-4A28-B30E-BB8352CAD4E3}" presName="hierRoot2" presStyleCnt="0">
@@ -3012,6 +3319,13 @@
     <dgm:pt modelId="{C78109DA-43C3-4505-90F5-E29DBE9F6DF5}" type="pres">
       <dgm:prSet presAssocID="{27CE63BC-64D4-4A28-B30E-BB8352CAD4E3}" presName="rootConnector" presStyleLbl="node3" presStyleIdx="3" presStyleCnt="6"/>
       <dgm:spPr/>
+      <dgm:t>
+        <a:bodyPr/>
+        <a:lstStyle/>
+        <a:p>
+          <a:endParaRPr lang="en-US"/>
+        </a:p>
+      </dgm:t>
     </dgm:pt>
     <dgm:pt modelId="{CD6C8375-D263-4CCF-96CA-21DA694BA901}" type="pres">
       <dgm:prSet presAssocID="{27CE63BC-64D4-4A28-B30E-BB8352CAD4E3}" presName="hierChild4" presStyleCnt="0"/>
@@ -3024,6 +3338,13 @@
     <dgm:pt modelId="{5554CC2A-1BF7-47B1-A416-5F8C714F71B0}" type="pres">
       <dgm:prSet presAssocID="{9FDA8F30-61C0-4D4B-8F1D-545C1F1011FC}" presName="Name64" presStyleLbl="parChTrans1D3" presStyleIdx="4" presStyleCnt="6"/>
       <dgm:spPr/>
+      <dgm:t>
+        <a:bodyPr/>
+        <a:lstStyle/>
+        <a:p>
+          <a:endParaRPr lang="en-US"/>
+        </a:p>
+      </dgm:t>
     </dgm:pt>
     <dgm:pt modelId="{D79F3F82-3796-445F-B732-F72CBC1B423B}" type="pres">
       <dgm:prSet presAssocID="{3E1FAE2A-F8CC-4A6E-A4C2-0FB962807BAB}" presName="hierRoot2" presStyleCnt="0">
@@ -3044,10 +3365,24 @@
         </dgm:presLayoutVars>
       </dgm:prSet>
       <dgm:spPr/>
+      <dgm:t>
+        <a:bodyPr/>
+        <a:lstStyle/>
+        <a:p>
+          <a:endParaRPr lang="en-US"/>
+        </a:p>
+      </dgm:t>
     </dgm:pt>
     <dgm:pt modelId="{3100C03F-7119-400E-908D-60B522706047}" type="pres">
       <dgm:prSet presAssocID="{3E1FAE2A-F8CC-4A6E-A4C2-0FB962807BAB}" presName="rootConnector" presStyleLbl="node3" presStyleIdx="4" presStyleCnt="6"/>
       <dgm:spPr/>
+      <dgm:t>
+        <a:bodyPr/>
+        <a:lstStyle/>
+        <a:p>
+          <a:endParaRPr lang="en-US"/>
+        </a:p>
+      </dgm:t>
     </dgm:pt>
     <dgm:pt modelId="{C6A06D73-DECD-4F3C-AAE1-657301125031}" type="pres">
       <dgm:prSet presAssocID="{3E1FAE2A-F8CC-4A6E-A4C2-0FB962807BAB}" presName="hierChild4" presStyleCnt="0"/>
@@ -3056,6 +3391,13 @@
     <dgm:pt modelId="{7FAB7167-E69B-45DD-8D0C-ECC20978E5DE}" type="pres">
       <dgm:prSet presAssocID="{35BC884F-EB2D-48B8-81CC-05AD5E13EC0A}" presName="Name64" presStyleLbl="parChTrans1D4" presStyleIdx="9" presStyleCnt="11"/>
       <dgm:spPr/>
+      <dgm:t>
+        <a:bodyPr/>
+        <a:lstStyle/>
+        <a:p>
+          <a:endParaRPr lang="en-US"/>
+        </a:p>
+      </dgm:t>
     </dgm:pt>
     <dgm:pt modelId="{ABE11DF8-B9F5-43C1-867F-4E2204F965F2}" type="pres">
       <dgm:prSet presAssocID="{AC7291CD-BF32-4FD9-B635-05DA42C05829}" presName="hierRoot2" presStyleCnt="0">
@@ -3087,6 +3429,13 @@
     <dgm:pt modelId="{7BCEBF72-D631-4BF2-82CD-88D47EF11020}" type="pres">
       <dgm:prSet presAssocID="{AC7291CD-BF32-4FD9-B635-05DA42C05829}" presName="rootConnector" presStyleLbl="node4" presStyleIdx="9" presStyleCnt="11"/>
       <dgm:spPr/>
+      <dgm:t>
+        <a:bodyPr/>
+        <a:lstStyle/>
+        <a:p>
+          <a:endParaRPr lang="en-US"/>
+        </a:p>
+      </dgm:t>
     </dgm:pt>
     <dgm:pt modelId="{4023C1D0-6891-4660-A2AC-831763B19F7D}" type="pres">
       <dgm:prSet presAssocID="{AC7291CD-BF32-4FD9-B635-05DA42C05829}" presName="hierChild4" presStyleCnt="0"/>
@@ -3103,6 +3452,13 @@
     <dgm:pt modelId="{20C05046-4FA9-4487-A4F9-0608DB34FBCA}" type="pres">
       <dgm:prSet presAssocID="{C42478FC-D8D1-4E15-9B28-20E531A08A78}" presName="Name64" presStyleLbl="parChTrans1D3" presStyleIdx="5" presStyleCnt="6"/>
       <dgm:spPr/>
+      <dgm:t>
+        <a:bodyPr/>
+        <a:lstStyle/>
+        <a:p>
+          <a:endParaRPr lang="en-US"/>
+        </a:p>
+      </dgm:t>
     </dgm:pt>
     <dgm:pt modelId="{4EF08824-1487-4AC2-8F50-69BA22EF8A17}" type="pres">
       <dgm:prSet presAssocID="{5DCAB60F-FD26-4C00-AD69-7C58D9E4A24E}" presName="hierRoot2" presStyleCnt="0">
@@ -3123,10 +3479,24 @@
         </dgm:presLayoutVars>
       </dgm:prSet>
       <dgm:spPr/>
+      <dgm:t>
+        <a:bodyPr/>
+        <a:lstStyle/>
+        <a:p>
+          <a:endParaRPr lang="en-US"/>
+        </a:p>
+      </dgm:t>
     </dgm:pt>
     <dgm:pt modelId="{17061235-F37F-4EE4-A154-9D245A350772}" type="pres">
       <dgm:prSet presAssocID="{5DCAB60F-FD26-4C00-AD69-7C58D9E4A24E}" presName="rootConnector" presStyleLbl="node3" presStyleIdx="5" presStyleCnt="6"/>
       <dgm:spPr/>
+      <dgm:t>
+        <a:bodyPr/>
+        <a:lstStyle/>
+        <a:p>
+          <a:endParaRPr lang="en-US"/>
+        </a:p>
+      </dgm:t>
     </dgm:pt>
     <dgm:pt modelId="{C12F7B71-CEC7-4F81-80E3-0B8945ADC317}" type="pres">
       <dgm:prSet presAssocID="{5DCAB60F-FD26-4C00-AD69-7C58D9E4A24E}" presName="hierChild4" presStyleCnt="0"/>
@@ -3135,6 +3505,13 @@
     <dgm:pt modelId="{50A0B62A-10EE-4CFC-B300-CFBE672C7084}" type="pres">
       <dgm:prSet presAssocID="{38572FC9-DF67-4F79-8656-85355EE00A19}" presName="Name64" presStyleLbl="parChTrans1D4" presStyleIdx="10" presStyleCnt="11"/>
       <dgm:spPr/>
+      <dgm:t>
+        <a:bodyPr/>
+        <a:lstStyle/>
+        <a:p>
+          <a:endParaRPr lang="en-US"/>
+        </a:p>
+      </dgm:t>
     </dgm:pt>
     <dgm:pt modelId="{09E8AD84-1DB6-471B-963E-FCA13C1C4CFE}" type="pres">
       <dgm:prSet presAssocID="{BCC2EC41-03A9-4786-80A0-C716FBC81A8A}" presName="hierRoot2" presStyleCnt="0">
@@ -3166,6 +3543,13 @@
     <dgm:pt modelId="{880C6662-769C-4BA8-BA4F-503463928EBA}" type="pres">
       <dgm:prSet presAssocID="{BCC2EC41-03A9-4786-80A0-C716FBC81A8A}" presName="rootConnector" presStyleLbl="node4" presStyleIdx="10" presStyleCnt="11"/>
       <dgm:spPr/>
+      <dgm:t>
+        <a:bodyPr/>
+        <a:lstStyle/>
+        <a:p>
+          <a:endParaRPr lang="en-US"/>
+        </a:p>
+      </dgm:t>
     </dgm:pt>
     <dgm:pt modelId="{B29D178C-4F4D-4583-8BBE-F28D27138FD3}" type="pres">
       <dgm:prSet presAssocID="{BCC2EC41-03A9-4786-80A0-C716FBC81A8A}" presName="hierChild4" presStyleCnt="0"/>
@@ -3186,6 +3570,13 @@
     <dgm:pt modelId="{8C578514-FD53-4EF7-AFDB-07B337E7E73A}" type="pres">
       <dgm:prSet presAssocID="{788EB51A-BDC2-46C7-BA97-F6662BF872AF}" presName="Name64" presStyleLbl="parChTrans1D2" presStyleIdx="2" presStyleCnt="3"/>
       <dgm:spPr/>
+      <dgm:t>
+        <a:bodyPr/>
+        <a:lstStyle/>
+        <a:p>
+          <a:endParaRPr lang="en-US"/>
+        </a:p>
+      </dgm:t>
     </dgm:pt>
     <dgm:pt modelId="{0F8D761A-3501-42AC-BBA3-DE27BCCC9F43}" type="pres">
       <dgm:prSet presAssocID="{D76B355E-360B-4DB3-9B0A-734E7A8B5F79}" presName="hierRoot2" presStyleCnt="0">
@@ -3217,6 +3608,13 @@
     <dgm:pt modelId="{F6B48B69-22C1-4016-805E-8091EFFFD169}" type="pres">
       <dgm:prSet presAssocID="{D76B355E-360B-4DB3-9B0A-734E7A8B5F79}" presName="rootConnector" presStyleLbl="node2" presStyleIdx="2" presStyleCnt="3"/>
       <dgm:spPr/>
+      <dgm:t>
+        <a:bodyPr/>
+        <a:lstStyle/>
+        <a:p>
+          <a:endParaRPr lang="en-US"/>
+        </a:p>
+      </dgm:t>
     </dgm:pt>
     <dgm:pt modelId="{C8CC58CD-84C5-426D-AC01-7A60FB2E2589}" type="pres">
       <dgm:prSet presAssocID="{D76B355E-360B-4DB3-9B0A-734E7A8B5F79}" presName="hierChild4" presStyleCnt="0"/>
@@ -3279,8 +3677,8 @@
     <dgm:cxn modelId="{46844BF1-E726-4F7F-9073-325E5A4CC58A}" type="presOf" srcId="{9FDA8F30-61C0-4D4B-8F1D-545C1F1011FC}" destId="{5554CC2A-1BF7-47B1-A416-5F8C714F71B0}" srcOrd="0" destOrd="0" presId="urn:microsoft.com/office/officeart/2009/3/layout/HorizontalOrganizationChart"/>
     <dgm:cxn modelId="{2C82E3D6-BB1B-47A0-9153-720D11A09B21}" srcId="{9AAC3032-4E54-451F-82F9-4B2A400F0ABD}" destId="{37A5FAC2-BDBB-4F28-BA96-A25AB4B89392}" srcOrd="1" destOrd="0" parTransId="{B264069D-0CDC-4BB0-A9D3-138A0FFA53C9}" sibTransId="{95B40C85-21EF-4F9F-88FE-2FC5A435609E}"/>
     <dgm:cxn modelId="{9CD3164C-4DDE-4DCA-A913-DEA5A44C5793}" type="presOf" srcId="{3E1FAE2A-F8CC-4A6E-A4C2-0FB962807BAB}" destId="{3100C03F-7119-400E-908D-60B522706047}" srcOrd="1" destOrd="0" presId="urn:microsoft.com/office/officeart/2009/3/layout/HorizontalOrganizationChart"/>
+    <dgm:cxn modelId="{C3B181A1-8A13-49E1-B3D8-B209DAF7F92B}" srcId="{9AAC3032-4E54-451F-82F9-4B2A400F0ABD}" destId="{0F6E0FEE-B4D8-4B84-AC7C-12039A4528B1}" srcOrd="0" destOrd="0" parTransId="{1DB26985-C23A-4CB2-95EB-22114188AB5C}" sibTransId="{769851A9-1239-4579-98CB-EB5A0BFA5566}"/>
     <dgm:cxn modelId="{76AB661F-60C2-459A-89CC-6CEDB0376C81}" type="presOf" srcId="{75F53A32-C320-4470-977F-E431C94E97C0}" destId="{7A41563E-8379-4134-B1CD-181461C015EA}" srcOrd="1" destOrd="0" presId="urn:microsoft.com/office/officeart/2009/3/layout/HorizontalOrganizationChart"/>
-    <dgm:cxn modelId="{C3B181A1-8A13-49E1-B3D8-B209DAF7F92B}" srcId="{9AAC3032-4E54-451F-82F9-4B2A400F0ABD}" destId="{0F6E0FEE-B4D8-4B84-AC7C-12039A4528B1}" srcOrd="0" destOrd="0" parTransId="{1DB26985-C23A-4CB2-95EB-22114188AB5C}" sibTransId="{769851A9-1239-4579-98CB-EB5A0BFA5566}"/>
     <dgm:cxn modelId="{29E0066D-0E4F-4864-B9C0-41391698F382}" type="presOf" srcId="{CF230FE7-9DBA-4183-BDBD-927E08B37C56}" destId="{02C840AE-42BC-455D-9497-428F81BDFFA1}" srcOrd="0" destOrd="0" presId="urn:microsoft.com/office/officeart/2009/3/layout/HorizontalOrganizationChart"/>
     <dgm:cxn modelId="{EFB1B042-EC63-45E9-9AEA-65A49F3C9CF2}" type="presOf" srcId="{94B2E0DF-0980-40FA-99DE-DBD172B103F9}" destId="{7A6F9708-7288-4591-88DA-854BDBF4BA4B}" srcOrd="0" destOrd="0" presId="urn:microsoft.com/office/officeart/2009/3/layout/HorizontalOrganizationChart"/>
     <dgm:cxn modelId="{003B5BFA-1485-4FCA-A020-5C84E0112D8A}" type="presOf" srcId="{AC7291CD-BF32-4FD9-B635-05DA42C05829}" destId="{7BCEBF72-D631-4BF2-82CD-88D47EF11020}" srcOrd="1" destOrd="0" presId="urn:microsoft.com/office/officeart/2009/3/layout/HorizontalOrganizationChart"/>
@@ -3305,8 +3703,8 @@
     <dgm:cxn modelId="{9BF712E1-BC88-4B49-93D0-54CC06178ECF}" srcId="{37A5FAC2-BDBB-4F28-BA96-A25AB4B89392}" destId="{BA799F54-9352-40D3-AA86-594E3F5F79AA}" srcOrd="0" destOrd="0" parTransId="{CF230FE7-9DBA-4183-BDBD-927E08B37C56}" sibTransId="{A9D95ADD-B0AE-4952-93D8-19D7D2CFF7F6}"/>
     <dgm:cxn modelId="{9DD0F50D-FDBD-4594-B284-65398EE5D7B1}" srcId="{18098B98-3D02-4896-B26C-F45ACCBFA8F8}" destId="{9ACAFCFC-5142-4C6A-A550-74BE20AD0CD4}" srcOrd="1" destOrd="0" parTransId="{E0187B90-0B2D-46EB-8BC8-7BEDB02F6EA5}" sibTransId="{6F57A03F-5826-4993-A45E-1E750A0332B3}"/>
     <dgm:cxn modelId="{B3036E75-110A-4197-B369-0F380A4765CC}" srcId="{9ACAFCFC-5142-4C6A-A550-74BE20AD0CD4}" destId="{A38FC05A-5E07-4CA3-AED3-120F80C38C9B}" srcOrd="1" destOrd="0" parTransId="{30DB14B4-C961-470D-9A47-EEC7F9368630}" sibTransId="{659ABC5A-C67B-4053-9512-4BDAFEC2B7D9}"/>
+    <dgm:cxn modelId="{2CE277D2-EA95-49CF-8CC4-8DF24FD59D07}" type="presOf" srcId="{9AAC3032-4E54-451F-82F9-4B2A400F0ABD}" destId="{C47AD335-5C88-494C-B3A1-C5A956FD655A}" srcOrd="0" destOrd="0" presId="urn:microsoft.com/office/officeart/2009/3/layout/HorizontalOrganizationChart"/>
     <dgm:cxn modelId="{EDA19B68-6F91-40D8-8E7B-BAE6F6220359}" type="presOf" srcId="{18098B98-3D02-4896-B26C-F45ACCBFA8F8}" destId="{8D37030A-DCE6-41F1-85A1-3118BB466C91}" srcOrd="0" destOrd="0" presId="urn:microsoft.com/office/officeart/2009/3/layout/HorizontalOrganizationChart"/>
-    <dgm:cxn modelId="{2CE277D2-EA95-49CF-8CC4-8DF24FD59D07}" type="presOf" srcId="{9AAC3032-4E54-451F-82F9-4B2A400F0ABD}" destId="{C47AD335-5C88-494C-B3A1-C5A956FD655A}" srcOrd="0" destOrd="0" presId="urn:microsoft.com/office/officeart/2009/3/layout/HorizontalOrganizationChart"/>
     <dgm:cxn modelId="{06C199B7-CB2B-4106-978C-F32374B0E978}" srcId="{3E1FAE2A-F8CC-4A6E-A4C2-0FB962807BAB}" destId="{AC7291CD-BF32-4FD9-B635-05DA42C05829}" srcOrd="0" destOrd="0" parTransId="{35BC884F-EB2D-48B8-81CC-05AD5E13EC0A}" sibTransId="{DE0619F0-36F2-4766-BD80-94A292749A0A}"/>
     <dgm:cxn modelId="{5B8CA2C6-5558-4B42-9876-D1298A57345B}" type="presOf" srcId="{5DCAB60F-FD26-4C00-AD69-7C58D9E4A24E}" destId="{BBD85540-7268-4AAF-BAA6-429F32B566D1}" srcOrd="0" destOrd="0" presId="urn:microsoft.com/office/officeart/2009/3/layout/HorizontalOrganizationChart"/>
     <dgm:cxn modelId="{C7F9CB92-A7C1-4B75-8F6E-088F32A91A7A}" type="presOf" srcId="{1449AB31-8A25-46F0-A80A-8595609BEB64}" destId="{11D806AB-6C7B-469D-8722-6E4414FEC5D7}" srcOrd="1" destOrd="0" presId="urn:microsoft.com/office/officeart/2009/3/layout/HorizontalOrganizationChart"/>
@@ -3855,7 +4253,7 @@
       </dsp:nvSpPr>
       <dsp:spPr>
         <a:xfrm>
-          <a:off x="7615025" y="4252843"/>
+          <a:off x="7615025" y="4321960"/>
           <a:ext cx="237473" cy="91440"/>
         </a:xfrm>
         <a:custGeom>
@@ -3911,7 +4309,7 @@
       <dsp:spPr>
         <a:xfrm>
           <a:off x="6190182" y="3863160"/>
-          <a:ext cx="237473" cy="435403"/>
+          <a:ext cx="237473" cy="504519"/>
         </a:xfrm>
         <a:custGeom>
           <a:avLst/>
@@ -3928,10 +4326,10 @@
                 <a:pt x="118736" y="0"/>
               </a:lnTo>
               <a:lnTo>
-                <a:pt x="118736" y="435403"/>
+                <a:pt x="118736" y="504519"/>
               </a:lnTo>
               <a:lnTo>
-                <a:pt x="237473" y="435403"/>
+                <a:pt x="237473" y="504519"/>
               </a:lnTo>
             </a:path>
           </a:pathLst>
@@ -3971,7 +4369,7 @@
       </dsp:nvSpPr>
       <dsp:spPr>
         <a:xfrm>
-          <a:off x="7615025" y="3382037"/>
+          <a:off x="7615025" y="3312920"/>
           <a:ext cx="237473" cy="91440"/>
         </a:xfrm>
         <a:custGeom>
@@ -4026,8 +4424,8 @@
       </dsp:nvSpPr>
       <dsp:spPr>
         <a:xfrm>
-          <a:off x="6190182" y="3427757"/>
-          <a:ext cx="237473" cy="435403"/>
+          <a:off x="6190182" y="3358640"/>
+          <a:ext cx="237473" cy="504519"/>
         </a:xfrm>
         <a:custGeom>
           <a:avLst/>
@@ -4038,10 +4436,10 @@
           <a:pathLst>
             <a:path>
               <a:moveTo>
-                <a:pt x="0" y="435403"/>
+                <a:pt x="0" y="504519"/>
               </a:moveTo>
               <a:lnTo>
-                <a:pt x="118736" y="435403"/>
+                <a:pt x="118736" y="504519"/>
               </a:lnTo>
               <a:lnTo>
                 <a:pt x="118736" y="0"/>
@@ -5778,7 +6176,7 @@
       </dsp:nvSpPr>
       <dsp:spPr>
         <a:xfrm>
-          <a:off x="6427656" y="3246683"/>
+          <a:off x="6427656" y="3177566"/>
           <a:ext cx="1187369" cy="362147"/>
         </a:xfrm>
         <a:prstGeom prst="rect">
@@ -5856,7 +6254,7 @@
         </a:p>
       </dsp:txBody>
       <dsp:txXfrm>
-        <a:off x="6427656" y="3246683"/>
+        <a:off x="6427656" y="3177566"/>
         <a:ext cx="1187369" cy="362147"/>
       </dsp:txXfrm>
     </dsp:sp>
@@ -5867,7 +6265,7 @@
       </dsp:nvSpPr>
       <dsp:spPr>
         <a:xfrm>
-          <a:off x="7852499" y="2992975"/>
+          <a:off x="7852499" y="2923858"/>
           <a:ext cx="1287345" cy="869563"/>
         </a:xfrm>
         <a:prstGeom prst="rect">
@@ -5954,6 +6352,256 @@
             </a:rPr>
             <a:t>-</a:t>
           </a:r>
+          <a:r>
+            <a:rPr lang="en-US" sz="900" b="0" kern="1200" dirty="0" err="1" smtClean="0">
+              <a:solidFill>
+                <a:schemeClr val="tx2"/>
+              </a:solidFill>
+            </a:rPr>
+            <a:t>LayDate</a:t>
+          </a:r>
+          <a:r>
+            <a:rPr lang="en-US" sz="900" b="0" kern="1200" dirty="0" smtClean="0">
+              <a:solidFill>
+                <a:schemeClr val="tx2"/>
+              </a:solidFill>
+            </a:rPr>
+            <a:t> = </a:t>
+          </a:r>
+          <a:r>
+            <a:rPr lang="en-US" sz="900" b="0" kern="1200" dirty="0" err="1" smtClean="0">
+              <a:solidFill>
+                <a:schemeClr val="tx2"/>
+              </a:solidFill>
+            </a:rPr>
+            <a:t>EventDate-EggCount</a:t>
+          </a:r>
+          <a:r>
+            <a:rPr lang="en-US" sz="900" b="0" kern="1200" dirty="0" smtClean="0">
+              <a:solidFill>
+                <a:schemeClr val="tx2"/>
+              </a:solidFill>
+            </a:rPr>
+            <a:t> or </a:t>
+          </a:r>
+          <a:r>
+            <a:rPr lang="en-US" sz="900" b="0" kern="1200" dirty="0" err="1" smtClean="0">
+              <a:solidFill>
+                <a:schemeClr val="tx2"/>
+              </a:solidFill>
+            </a:rPr>
+            <a:t>HatchDate-AvgIncPeriod</a:t>
+          </a:r>
+          <a:r>
+            <a:rPr lang="en-US" sz="900" b="0" kern="1200" dirty="0" smtClean="0">
+              <a:solidFill>
+                <a:schemeClr val="tx2"/>
+              </a:solidFill>
+            </a:rPr>
+            <a:t/>
+          </a:r>
+          <a:br>
+            <a:rPr lang="en-US" sz="900" b="0" kern="1200" dirty="0" smtClean="0">
+              <a:solidFill>
+                <a:schemeClr val="tx2"/>
+              </a:solidFill>
+            </a:rPr>
+          </a:br>
+          <a:r>
+            <a:rPr lang="en-US" sz="900" b="0" kern="1200" dirty="0" smtClean="0">
+              <a:solidFill>
+                <a:schemeClr val="tx2"/>
+              </a:solidFill>
+            </a:rPr>
+            <a:t>-Event# = 4</a:t>
+          </a:r>
+          <a:endParaRPr lang="en-US" sz="900" b="0" kern="1200" dirty="0" smtClean="0">
+            <a:solidFill>
+              <a:schemeClr val="tx2"/>
+            </a:solidFill>
+          </a:endParaRPr>
+        </a:p>
+      </dsp:txBody>
+      <dsp:txXfrm>
+        <a:off x="7852499" y="2923858"/>
+        <a:ext cx="1287345" cy="869563"/>
+      </dsp:txXfrm>
+    </dsp:sp>
+    <dsp:sp modelId="{E17471D5-F9BD-4B3E-BCAF-7731AA72ADA4}">
+      <dsp:nvSpPr>
+        <dsp:cNvPr id="0" name=""/>
+        <dsp:cNvSpPr/>
+      </dsp:nvSpPr>
+      <dsp:spPr>
+        <a:xfrm>
+          <a:off x="6427656" y="4186606"/>
+          <a:ext cx="1187369" cy="362147"/>
+        </a:xfrm>
+        <a:prstGeom prst="rect">
+          <a:avLst/>
+        </a:prstGeom>
+        <a:solidFill>
+          <a:schemeClr val="lt1">
+            <a:hueOff val="0"/>
+            <a:satOff val="0"/>
+            <a:lumOff val="0"/>
+            <a:alphaOff val="0"/>
+          </a:schemeClr>
+        </a:solidFill>
+        <a:ln w="25400" cap="flat" cmpd="sng" algn="ctr">
+          <a:solidFill>
+            <a:schemeClr val="dk2">
+              <a:shade val="80000"/>
+              <a:hueOff val="0"/>
+              <a:satOff val="0"/>
+              <a:lumOff val="0"/>
+              <a:alphaOff val="0"/>
+            </a:schemeClr>
+          </a:solidFill>
+          <a:prstDash val="solid"/>
+        </a:ln>
+        <a:effectLst/>
+      </dsp:spPr>
+      <dsp:style>
+        <a:lnRef idx="2">
+          <a:scrgbClr r="0" g="0" b="0"/>
+        </a:lnRef>
+        <a:fillRef idx="1">
+          <a:scrgbClr r="0" g="0" b="0"/>
+        </a:fillRef>
+        <a:effectRef idx="0">
+          <a:scrgbClr r="0" g="0" b="0"/>
+        </a:effectRef>
+        <a:fontRef idx="minor">
+          <a:schemeClr val="lt1"/>
+        </a:fontRef>
+      </dsp:style>
+      <dsp:txBody>
+        <a:bodyPr spcFirstLastPara="0" vert="horz" wrap="square" lIns="5715" tIns="5715" rIns="5715" bIns="5715" numCol="1" spcCol="1270" anchor="ctr" anchorCtr="0">
+          <a:noAutofit/>
+        </a:bodyPr>
+        <a:lstStyle/>
+        <a:p>
+          <a:pPr lvl="0" algn="ctr" defTabSz="400050">
+            <a:lnSpc>
+              <a:spcPct val="90000"/>
+            </a:lnSpc>
+            <a:spcBef>
+              <a:spcPct val="0"/>
+            </a:spcBef>
+            <a:spcAft>
+              <a:spcPct val="35000"/>
+            </a:spcAft>
+          </a:pPr>
+          <a:r>
+            <a:rPr lang="en-US" sz="900" b="1" kern="1200" dirty="0" err="1" smtClean="0"/>
+            <a:t>BroodTrue</a:t>
+          </a:r>
+          <a:r>
+            <a:rPr lang="en-US" sz="900" b="1" kern="1200" dirty="0" smtClean="0"/>
+            <a:t/>
+          </a:r>
+          <a:br>
+            <a:rPr lang="en-US" sz="900" b="1" kern="1200" dirty="0" smtClean="0"/>
+          </a:br>
+          <a:r>
+            <a:rPr lang="en-US" sz="900" b="1" kern="1200" dirty="0" err="1" smtClean="0"/>
+            <a:t>EggDate</a:t>
+          </a:r>
+          <a:endParaRPr lang="en-US" sz="900" b="1" kern="1200" dirty="0"/>
+        </a:p>
+      </dsp:txBody>
+      <dsp:txXfrm>
+        <a:off x="6427656" y="4186606"/>
+        <a:ext cx="1187369" cy="362147"/>
+      </dsp:txXfrm>
+    </dsp:sp>
+    <dsp:sp modelId="{2CA9EEE3-1211-4D7E-BF1E-B20057926462}">
+      <dsp:nvSpPr>
+        <dsp:cNvPr id="0" name=""/>
+        <dsp:cNvSpPr/>
+      </dsp:nvSpPr>
+      <dsp:spPr>
+        <a:xfrm>
+          <a:off x="7852499" y="3941843"/>
+          <a:ext cx="1282738" cy="851673"/>
+        </a:xfrm>
+        <a:prstGeom prst="rect">
+          <a:avLst/>
+        </a:prstGeom>
+        <a:solidFill>
+          <a:schemeClr val="lt1">
+            <a:hueOff val="0"/>
+            <a:satOff val="0"/>
+            <a:lumOff val="0"/>
+            <a:alphaOff val="0"/>
+          </a:schemeClr>
+        </a:solidFill>
+        <a:ln w="25400" cap="flat" cmpd="sng" algn="ctr">
+          <a:solidFill>
+            <a:srgbClr val="00B050"/>
+          </a:solidFill>
+          <a:prstDash val="solid"/>
+        </a:ln>
+        <a:effectLst/>
+      </dsp:spPr>
+      <dsp:style>
+        <a:lnRef idx="2">
+          <a:scrgbClr r="0" g="0" b="0"/>
+        </a:lnRef>
+        <a:fillRef idx="1">
+          <a:scrgbClr r="0" g="0" b="0"/>
+        </a:fillRef>
+        <a:effectRef idx="0">
+          <a:scrgbClr r="0" g="0" b="0"/>
+        </a:effectRef>
+        <a:fontRef idx="minor">
+          <a:schemeClr val="lt1"/>
+        </a:fontRef>
+      </dsp:style>
+      <dsp:txBody>
+        <a:bodyPr spcFirstLastPara="0" vert="horz" wrap="square" lIns="5715" tIns="5715" rIns="5715" bIns="5715" numCol="1" spcCol="1270" anchor="ctr" anchorCtr="0">
+          <a:noAutofit/>
+        </a:bodyPr>
+        <a:lstStyle/>
+        <a:p>
+          <a:pPr lvl="0" algn="ctr" defTabSz="400050">
+            <a:lnSpc>
+              <a:spcPct val="90000"/>
+            </a:lnSpc>
+            <a:spcBef>
+              <a:spcPct val="0"/>
+            </a:spcBef>
+            <a:spcAft>
+              <a:spcPct val="35000"/>
+            </a:spcAft>
+          </a:pPr>
+          <a:r>
+            <a:rPr lang="en-US" sz="900" b="1" kern="1200" dirty="0" err="1" smtClean="0">
+              <a:solidFill>
+                <a:srgbClr val="00B050"/>
+              </a:solidFill>
+            </a:rPr>
+            <a:t>tblBroodEvent</a:t>
+          </a:r>
+          <a:endParaRPr lang="en-US" sz="900" b="1" kern="1200" dirty="0" smtClean="0">
+            <a:solidFill>
+              <a:srgbClr val="00B050"/>
+            </a:solidFill>
+          </a:endParaRPr>
+        </a:p>
+        <a:p>
+          <a:pPr marR="0" lvl="0" algn="ctr" defTabSz="400050" rtl="0" eaLnBrk="1" latinLnBrk="0" hangingPunct="1">
+            <a:lnSpc>
+              <a:spcPct val="90000"/>
+            </a:lnSpc>
+            <a:spcBef>
+              <a:spcPct val="0"/>
+            </a:spcBef>
+            <a:spcAft>
+              <a:spcPct val="35000"/>
+            </a:spcAft>
+          </a:pPr>
           <a:r>
             <a:rPr lang="en-US" sz="900" b="0" kern="1200" dirty="0" err="1" smtClean="0">
               <a:solidFill>
@@ -6071,244 +6719,6 @@
             </a:rPr>
             <a:t>yes&amp;no</a:t>
           </a:r>
-          <a:endParaRPr lang="en-US" sz="900" b="0" kern="1200" dirty="0" smtClean="0">
-            <a:solidFill>
-              <a:schemeClr val="tx2"/>
-            </a:solidFill>
-          </a:endParaRPr>
-        </a:p>
-      </dsp:txBody>
-      <dsp:txXfrm>
-        <a:off x="7852499" y="2992975"/>
-        <a:ext cx="1287345" cy="869563"/>
-      </dsp:txXfrm>
-    </dsp:sp>
-    <dsp:sp modelId="{E17471D5-F9BD-4B3E-BCAF-7731AA72ADA4}">
-      <dsp:nvSpPr>
-        <dsp:cNvPr id="0" name=""/>
-        <dsp:cNvSpPr/>
-      </dsp:nvSpPr>
-      <dsp:spPr>
-        <a:xfrm>
-          <a:off x="6427656" y="4117489"/>
-          <a:ext cx="1187369" cy="362147"/>
-        </a:xfrm>
-        <a:prstGeom prst="rect">
-          <a:avLst/>
-        </a:prstGeom>
-        <a:solidFill>
-          <a:schemeClr val="lt1">
-            <a:hueOff val="0"/>
-            <a:satOff val="0"/>
-            <a:lumOff val="0"/>
-            <a:alphaOff val="0"/>
-          </a:schemeClr>
-        </a:solidFill>
-        <a:ln w="25400" cap="flat" cmpd="sng" algn="ctr">
-          <a:solidFill>
-            <a:schemeClr val="dk2">
-              <a:shade val="80000"/>
-              <a:hueOff val="0"/>
-              <a:satOff val="0"/>
-              <a:lumOff val="0"/>
-              <a:alphaOff val="0"/>
-            </a:schemeClr>
-          </a:solidFill>
-          <a:prstDash val="solid"/>
-        </a:ln>
-        <a:effectLst/>
-      </dsp:spPr>
-      <dsp:style>
-        <a:lnRef idx="2">
-          <a:scrgbClr r="0" g="0" b="0"/>
-        </a:lnRef>
-        <a:fillRef idx="1">
-          <a:scrgbClr r="0" g="0" b="0"/>
-        </a:fillRef>
-        <a:effectRef idx="0">
-          <a:scrgbClr r="0" g="0" b="0"/>
-        </a:effectRef>
-        <a:fontRef idx="minor">
-          <a:schemeClr val="lt1"/>
-        </a:fontRef>
-      </dsp:style>
-      <dsp:txBody>
-        <a:bodyPr spcFirstLastPara="0" vert="horz" wrap="square" lIns="5715" tIns="5715" rIns="5715" bIns="5715" numCol="1" spcCol="1270" anchor="ctr" anchorCtr="0">
-          <a:noAutofit/>
-        </a:bodyPr>
-        <a:lstStyle/>
-        <a:p>
-          <a:pPr lvl="0" algn="ctr" defTabSz="400050">
-            <a:lnSpc>
-              <a:spcPct val="90000"/>
-            </a:lnSpc>
-            <a:spcBef>
-              <a:spcPct val="0"/>
-            </a:spcBef>
-            <a:spcAft>
-              <a:spcPct val="35000"/>
-            </a:spcAft>
-          </a:pPr>
-          <a:r>
-            <a:rPr lang="en-US" sz="900" b="1" kern="1200" dirty="0" err="1" smtClean="0"/>
-            <a:t>BroodTrue</a:t>
-          </a:r>
-          <a:r>
-            <a:rPr lang="en-US" sz="900" b="1" kern="1200" dirty="0" smtClean="0"/>
-            <a:t/>
-          </a:r>
-          <a:br>
-            <a:rPr lang="en-US" sz="900" b="1" kern="1200" dirty="0" smtClean="0"/>
-          </a:br>
-          <a:r>
-            <a:rPr lang="en-US" sz="900" b="1" kern="1200" dirty="0" err="1" smtClean="0"/>
-            <a:t>EggDate</a:t>
-          </a:r>
-          <a:endParaRPr lang="en-US" sz="900" b="1" kern="1200" dirty="0"/>
-        </a:p>
-      </dsp:txBody>
-      <dsp:txXfrm>
-        <a:off x="6427656" y="4117489"/>
-        <a:ext cx="1187369" cy="362147"/>
-      </dsp:txXfrm>
-    </dsp:sp>
-    <dsp:sp modelId="{2CA9EEE3-1211-4D7E-BF1E-B20057926462}">
-      <dsp:nvSpPr>
-        <dsp:cNvPr id="0" name=""/>
-        <dsp:cNvSpPr/>
-      </dsp:nvSpPr>
-      <dsp:spPr>
-        <a:xfrm>
-          <a:off x="7852499" y="4010960"/>
-          <a:ext cx="1154028" cy="575206"/>
-        </a:xfrm>
-        <a:prstGeom prst="rect">
-          <a:avLst/>
-        </a:prstGeom>
-        <a:solidFill>
-          <a:schemeClr val="lt1">
-            <a:hueOff val="0"/>
-            <a:satOff val="0"/>
-            <a:lumOff val="0"/>
-            <a:alphaOff val="0"/>
-          </a:schemeClr>
-        </a:solidFill>
-        <a:ln w="25400" cap="flat" cmpd="sng" algn="ctr">
-          <a:solidFill>
-            <a:srgbClr val="00B050"/>
-          </a:solidFill>
-          <a:prstDash val="solid"/>
-        </a:ln>
-        <a:effectLst/>
-      </dsp:spPr>
-      <dsp:style>
-        <a:lnRef idx="2">
-          <a:scrgbClr r="0" g="0" b="0"/>
-        </a:lnRef>
-        <a:fillRef idx="1">
-          <a:scrgbClr r="0" g="0" b="0"/>
-        </a:fillRef>
-        <a:effectRef idx="0">
-          <a:scrgbClr r="0" g="0" b="0"/>
-        </a:effectRef>
-        <a:fontRef idx="minor">
-          <a:schemeClr val="lt1"/>
-        </a:fontRef>
-      </dsp:style>
-      <dsp:txBody>
-        <a:bodyPr spcFirstLastPara="0" vert="horz" wrap="square" lIns="5715" tIns="5715" rIns="5715" bIns="5715" numCol="1" spcCol="1270" anchor="ctr" anchorCtr="0">
-          <a:noAutofit/>
-        </a:bodyPr>
-        <a:lstStyle/>
-        <a:p>
-          <a:pPr lvl="0" algn="ctr" defTabSz="400050">
-            <a:lnSpc>
-              <a:spcPct val="90000"/>
-            </a:lnSpc>
-            <a:spcBef>
-              <a:spcPct val="0"/>
-            </a:spcBef>
-            <a:spcAft>
-              <a:spcPct val="35000"/>
-            </a:spcAft>
-          </a:pPr>
-          <a:r>
-            <a:rPr lang="en-US" sz="900" b="1" kern="1200" dirty="0" err="1" smtClean="0">
-              <a:solidFill>
-                <a:srgbClr val="00B050"/>
-              </a:solidFill>
-            </a:rPr>
-            <a:t>tblBroodEvent</a:t>
-          </a:r>
-          <a:endParaRPr lang="en-US" sz="900" b="1" kern="1200" dirty="0" smtClean="0">
-            <a:solidFill>
-              <a:srgbClr val="00B050"/>
-            </a:solidFill>
-          </a:endParaRPr>
-        </a:p>
-        <a:p>
-          <a:pPr marR="0" lvl="0" algn="ctr" defTabSz="400050" rtl="0" eaLnBrk="1" latinLnBrk="0" hangingPunct="1">
-            <a:lnSpc>
-              <a:spcPct val="90000"/>
-            </a:lnSpc>
-            <a:spcBef>
-              <a:spcPct val="0"/>
-            </a:spcBef>
-            <a:spcAft>
-              <a:spcPct val="35000"/>
-            </a:spcAft>
-          </a:pPr>
-          <a:r>
-            <a:rPr lang="en-US" sz="900" b="0" kern="1200" dirty="0" smtClean="0">
-              <a:solidFill>
-                <a:schemeClr val="tx2"/>
-              </a:solidFill>
-            </a:rPr>
-            <a:t>-Identic as above</a:t>
-          </a:r>
-          <a:br>
-            <a:rPr lang="en-US" sz="900" b="0" kern="1200" dirty="0" smtClean="0">
-              <a:solidFill>
-                <a:schemeClr val="tx2"/>
-              </a:solidFill>
-            </a:rPr>
-          </a:br>
-          <a:r>
-            <a:rPr lang="en-US" sz="900" b="0" kern="1200" dirty="0" smtClean="0">
-              <a:solidFill>
-                <a:schemeClr val="tx2"/>
-              </a:solidFill>
-            </a:rPr>
-            <a:t>-</a:t>
-          </a:r>
-          <a:r>
-            <a:rPr lang="en-US" sz="900" kern="1200" dirty="0" err="1" smtClean="0">
-              <a:solidFill>
-                <a:srgbClr val="1F497D"/>
-              </a:solidFill>
-              <a:highlight>
-                <a:srgbClr val="FFFF00"/>
-              </a:highlight>
-              <a:latin typeface="+mn-lt"/>
-              <a:ea typeface="Calibri"/>
-              <a:cs typeface="Times New Roman"/>
-            </a:rPr>
-            <a:t>DateEstimated</a:t>
-          </a:r>
-          <a:r>
-            <a:rPr lang="en-US" sz="900" kern="1200" dirty="0" smtClean="0">
-              <a:solidFill>
-                <a:srgbClr val="1F497D"/>
-              </a:solidFill>
-              <a:highlight>
-                <a:srgbClr val="FFFF00"/>
-              </a:highlight>
-              <a:latin typeface="+mn-lt"/>
-              <a:ea typeface="Calibri"/>
-              <a:cs typeface="Times New Roman"/>
-            </a:rPr>
-            <a:t> = no ?</a:t>
-          </a:r>
           <a:endParaRPr lang="en-US" sz="900" kern="1200" dirty="0">
             <a:solidFill>
               <a:srgbClr val="1F497D"/>
@@ -6323,8 +6733,8 @@
         </a:p>
       </dsp:txBody>
       <dsp:txXfrm>
-        <a:off x="7852499" y="4010960"/>
-        <a:ext cx="1154028" cy="575206"/>
+        <a:off x="7852499" y="3941843"/>
+        <a:ext cx="1282738" cy="851673"/>
       </dsp:txXfrm>
     </dsp:sp>
     <dsp:sp modelId="{E39BFF62-F966-4055-8458-F57B1B3E069D}">
@@ -9329,7 +9739,7 @@
           <a:p>
             <a:fld id="{D3975E03-0759-44A0-8E6A-31434AAC4247}" type="datetimeFigureOut">
               <a:rPr lang="en-US" smtClean="0"/>
-              <a:t>20.11.2015</a:t>
+              <a:t>02.05.2016</a:t>
             </a:fld>
             <a:endParaRPr lang="en-US"/>
           </a:p>
@@ -9499,7 +9909,7 @@
           <a:p>
             <a:fld id="{D3975E03-0759-44A0-8E6A-31434AAC4247}" type="datetimeFigureOut">
               <a:rPr lang="en-US" smtClean="0"/>
-              <a:t>20.11.2015</a:t>
+              <a:t>02.05.2016</a:t>
             </a:fld>
             <a:endParaRPr lang="en-US"/>
           </a:p>
@@ -9679,7 +10089,7 @@
           <a:p>
             <a:fld id="{D3975E03-0759-44A0-8E6A-31434AAC4247}" type="datetimeFigureOut">
               <a:rPr lang="en-US" smtClean="0"/>
-              <a:t>20.11.2015</a:t>
+              <a:t>02.05.2016</a:t>
             </a:fld>
             <a:endParaRPr lang="en-US"/>
           </a:p>
@@ -9849,7 +10259,7 @@
           <a:p>
             <a:fld id="{D3975E03-0759-44A0-8E6A-31434AAC4247}" type="datetimeFigureOut">
               <a:rPr lang="en-US" smtClean="0"/>
-              <a:t>20.11.2015</a:t>
+              <a:t>02.05.2016</a:t>
             </a:fld>
             <a:endParaRPr lang="en-US"/>
           </a:p>
@@ -10095,7 +10505,7 @@
           <a:p>
             <a:fld id="{D3975E03-0759-44A0-8E6A-31434AAC4247}" type="datetimeFigureOut">
               <a:rPr lang="en-US" smtClean="0"/>
-              <a:t>20.11.2015</a:t>
+              <a:t>02.05.2016</a:t>
             </a:fld>
             <a:endParaRPr lang="en-US"/>
           </a:p>
@@ -10383,7 +10793,7 @@
           <a:p>
             <a:fld id="{D3975E03-0759-44A0-8E6A-31434AAC4247}" type="datetimeFigureOut">
               <a:rPr lang="en-US" smtClean="0"/>
-              <a:t>20.11.2015</a:t>
+              <a:t>02.05.2016</a:t>
             </a:fld>
             <a:endParaRPr lang="en-US"/>
           </a:p>
@@ -10810,7 +11220,7 @@
           <a:p>
             <a:fld id="{D3975E03-0759-44A0-8E6A-31434AAC4247}" type="datetimeFigureOut">
               <a:rPr lang="en-US" smtClean="0"/>
-              <a:t>20.11.2015</a:t>
+              <a:t>02.05.2016</a:t>
             </a:fld>
             <a:endParaRPr lang="en-US"/>
           </a:p>
@@ -10928,7 +11338,7 @@
           <a:p>
             <a:fld id="{D3975E03-0759-44A0-8E6A-31434AAC4247}" type="datetimeFigureOut">
               <a:rPr lang="en-US" smtClean="0"/>
-              <a:t>20.11.2015</a:t>
+              <a:t>02.05.2016</a:t>
             </a:fld>
             <a:endParaRPr lang="en-US"/>
           </a:p>
@@ -11023,7 +11433,7 @@
           <a:p>
             <a:fld id="{D3975E03-0759-44A0-8E6A-31434AAC4247}" type="datetimeFigureOut">
               <a:rPr lang="en-US" smtClean="0"/>
-              <a:t>20.11.2015</a:t>
+              <a:t>02.05.2016</a:t>
             </a:fld>
             <a:endParaRPr lang="en-US"/>
           </a:p>
@@ -11300,7 +11710,7 @@
           <a:p>
             <a:fld id="{D3975E03-0759-44A0-8E6A-31434AAC4247}" type="datetimeFigureOut">
               <a:rPr lang="en-US" smtClean="0"/>
-              <a:t>20.11.2015</a:t>
+              <a:t>02.05.2016</a:t>
             </a:fld>
             <a:endParaRPr lang="en-US"/>
           </a:p>
@@ -11553,7 +11963,7 @@
           <a:p>
             <a:fld id="{D3975E03-0759-44A0-8E6A-31434AAC4247}" type="datetimeFigureOut">
               <a:rPr lang="en-US" smtClean="0"/>
-              <a:t>20.11.2015</a:t>
+              <a:t>02.05.2016</a:t>
             </a:fld>
             <a:endParaRPr lang="en-US"/>
           </a:p>
@@ -11766,7 +12176,7 @@
           <a:p>
             <a:fld id="{D3975E03-0759-44A0-8E6A-31434AAC4247}" type="datetimeFigureOut">
               <a:rPr lang="en-US" smtClean="0"/>
-              <a:t>20.11.2015</a:t>
+              <a:t>02.05.2016</a:t>
             </a:fld>
             <a:endParaRPr lang="en-US"/>
           </a:p>
@@ -12148,7 +12558,7 @@
           <p:nvPr>
             <p:extLst>
               <p:ext uri="{D42A27DB-BD31-4B8C-83A1-F6EECF244321}">
-                <p14:modId xmlns:p14="http://schemas.microsoft.com/office/powerpoint/2010/main" val="3736663416"/>
+                <p14:modId xmlns:p14="http://schemas.microsoft.com/office/powerpoint/2010/main" val="1293742723"/>
               </p:ext>
             </p:extLst>
           </p:nvPr>
